--- a/Circuit Breaker.pptx
+++ b/Circuit Breaker.pptx
@@ -5,9 +5,10 @@
     <p:sldMasterId id="2147483648" r:id="rId1"/>
   </p:sldMasterIdLst>
   <p:sldIdLst>
-    <p:sldId id="256" r:id="rId2"/>
-    <p:sldId id="257" r:id="rId3"/>
-    <p:sldId id="258" r:id="rId4"/>
+    <p:sldId id="259" r:id="rId2"/>
+    <p:sldId id="256" r:id="rId3"/>
+    <p:sldId id="257" r:id="rId4"/>
+    <p:sldId id="258" r:id="rId5"/>
   </p:sldIdLst>
   <p:sldSz cx="12192000" cy="6858000"/>
   <p:notesSz cx="6858000" cy="9144000"/>
@@ -106,6 +107,11 @@
       </a:defRPr>
     </a:lvl9pPr>
   </p:defaultTextStyle>
+  <p:extLst>
+    <p:ext uri="{EFAFB233-063F-42B5-8137-9DF3F51BA10A}">
+      <p15:sldGuideLst xmlns:p15="http://schemas.microsoft.com/office/powerpoint/2012/main"/>
+    </p:ext>
+  </p:extLst>
 </p:presentation>
 </file>
 
@@ -326,7 +332,7 @@
           <a:p>
             <a:fld id="{9AB3A824-1A51-4B26-AD58-A6D8E14F6C04}" type="datetimeFigureOut">
               <a:rPr lang="en-US" dirty="0"/>
-              <a:t>11/12/2023</a:t>
+              <a:t>11/14/2023</a:t>
             </a:fld>
             <a:endParaRPr lang="en-US" dirty="0"/>
           </a:p>
@@ -660,7 +666,7 @@
           <a:p>
             <a:fld id="{D857E33E-8B18-4087-B112-809917729534}" type="datetimeFigureOut">
               <a:rPr lang="en-US" dirty="0"/>
-              <a:t>11/12/2023</a:t>
+              <a:t>11/14/2023</a:t>
             </a:fld>
             <a:endParaRPr lang="en-US" dirty="0"/>
           </a:p>
@@ -962,7 +968,7 @@
           <a:p>
             <a:fld id="{D3FFE419-2371-464F-8239-3959401C3561}" type="datetimeFigureOut">
               <a:rPr lang="en-US" dirty="0"/>
-              <a:t>11/12/2023</a:t>
+              <a:t>11/14/2023</a:t>
             </a:fld>
             <a:endParaRPr lang="en-US" dirty="0"/>
           </a:p>
@@ -1209,7 +1215,7 @@
           <a:p>
             <a:fld id="{97D162C4-EDD9-4389-A98B-B87ECEA2A816}" type="datetimeFigureOut">
               <a:rPr lang="en-US" dirty="0"/>
-              <a:t>11/12/2023</a:t>
+              <a:t>11/14/2023</a:t>
             </a:fld>
             <a:endParaRPr lang="en-US" dirty="0"/>
           </a:p>
@@ -1616,7 +1622,7 @@
           <a:p>
             <a:fld id="{3E5059C3-6A89-4494-99FF-5A4D6FFD50EB}" type="datetimeFigureOut">
               <a:rPr lang="en-US" dirty="0"/>
-              <a:t>11/12/2023</a:t>
+              <a:t>11/14/2023</a:t>
             </a:fld>
             <a:endParaRPr lang="en-US" dirty="0"/>
           </a:p>
@@ -1930,7 +1936,7 @@
           <a:p>
             <a:fld id="{CA954B2F-12DE-47F5-8894-472B206D2E1E}" type="datetimeFigureOut">
               <a:rPr lang="en-US" dirty="0"/>
-              <a:t>11/12/2023</a:t>
+              <a:t>11/14/2023</a:t>
             </a:fld>
             <a:endParaRPr lang="en-US" dirty="0"/>
           </a:p>
@@ -2474,7 +2480,7 @@
           <a:p>
             <a:fld id="{3F30E46F-7819-4ACF-B48B-48222C2ACC88}" type="datetimeFigureOut">
               <a:rPr lang="en-US" dirty="0"/>
-              <a:t>11/12/2023</a:t>
+              <a:t>11/14/2023</a:t>
             </a:fld>
             <a:endParaRPr lang="en-US" dirty="0"/>
           </a:p>
@@ -2669,7 +2675,7 @@
           <a:p>
             <a:fld id="{1FAF3416-4057-4DAA-829D-4CA07428D088}" type="datetimeFigureOut">
               <a:rPr lang="en-US" dirty="0"/>
-              <a:t>11/12/2023</a:t>
+              <a:t>11/14/2023</a:t>
             </a:fld>
             <a:endParaRPr lang="en-US" dirty="0"/>
           </a:p>
@@ -2882,7 +2888,7 @@
           <a:p>
             <a:fld id="{921D9284-D300-4297-87F7-E791DCC15DB1}" type="datetimeFigureOut">
               <a:rPr lang="en-US" dirty="0"/>
-              <a:t>11/12/2023</a:t>
+              <a:t>11/14/2023</a:t>
             </a:fld>
             <a:endParaRPr lang="en-US" dirty="0"/>
           </a:p>
@@ -3251,7 +3257,7 @@
           <a:p>
             <a:fld id="{37D525BB-DA17-4BA0-B3C8-3AC3ABC827E6}" type="datetimeFigureOut">
               <a:rPr lang="en-US" dirty="0"/>
-              <a:t>11/12/2023</a:t>
+              <a:t>11/14/2023</a:t>
             </a:fld>
             <a:endParaRPr lang="en-US" dirty="0"/>
           </a:p>
@@ -3654,7 +3660,7 @@
           <a:p>
             <a:fld id="{B16C4C9A-3960-41CF-A4E9-2A8FB932454B}" type="datetimeFigureOut">
               <a:rPr lang="en-US" dirty="0"/>
-              <a:t>11/12/2023</a:t>
+              <a:t>11/14/2023</a:t>
             </a:fld>
             <a:endParaRPr lang="en-US" dirty="0"/>
           </a:p>
@@ -3965,7 +3971,7 @@
           <a:p>
             <a:fld id="{3CBC1C18-307B-4F68-A007-B5B542270E8D}" type="datetimeFigureOut">
               <a:rPr lang="en-US" dirty="0"/>
-              <a:t>11/12/2023</a:t>
+              <a:t>11/14/2023</a:t>
             </a:fld>
             <a:endParaRPr lang="en-US" dirty="0"/>
           </a:p>
@@ -4484,6 +4490,164 @@
       </p:grpSpPr>
       <p:sp>
         <p:nvSpPr>
+          <p:cNvPr id="3" name="Marcador de contenido 2">
+            <a:extLst>
+              <a:ext uri="{FF2B5EF4-FFF2-40B4-BE49-F238E27FC236}">
+                <a16:creationId xmlns:a16="http://schemas.microsoft.com/office/drawing/2014/main" id="{A2EF5437-5139-4E5C-EA39-1557E0C7292E}"/>
+              </a:ext>
+            </a:extLst>
+          </p:cNvPr>
+          <p:cNvSpPr>
+            <a:spLocks noGrp="1"/>
+          </p:cNvSpPr>
+          <p:nvPr>
+            <p:ph idx="1"/>
+          </p:nvPr>
+        </p:nvSpPr>
+        <p:spPr/>
+        <p:txBody>
+          <a:bodyPr/>
+          <a:lstStyle/>
+          <a:p>
+            <a:r>
+              <a:rPr lang="es-ES" dirty="0"/>
+              <a:t>Stephany </a:t>
+            </a:r>
+            <a:r>
+              <a:rPr lang="es-ES" dirty="0" err="1"/>
+              <a:t>Gaitan</a:t>
+            </a:r>
+            <a:endParaRPr lang="es-ES" dirty="0"/>
+          </a:p>
+          <a:p>
+            <a:r>
+              <a:rPr lang="es-ES" dirty="0"/>
+              <a:t>Jairo </a:t>
+            </a:r>
+            <a:r>
+              <a:rPr lang="es-ES" dirty="0" err="1"/>
+              <a:t>Sanchez</a:t>
+            </a:r>
+            <a:endParaRPr lang="es-ES" dirty="0"/>
+          </a:p>
+          <a:p>
+            <a:r>
+              <a:rPr lang="es-ES" dirty="0"/>
+              <a:t>Luisa Galvis</a:t>
+            </a:r>
+          </a:p>
+          <a:p>
+            <a:r>
+              <a:rPr lang="es-ES" dirty="0"/>
+              <a:t>Santiago </a:t>
+            </a:r>
+            <a:r>
+              <a:rPr lang="es-ES" dirty="0" err="1"/>
+              <a:t>Arevalo</a:t>
+            </a:r>
+            <a:endParaRPr lang="es-ES" dirty="0"/>
+          </a:p>
+          <a:p>
+            <a:r>
+              <a:rPr lang="es-ES" dirty="0"/>
+              <a:t>Liseth Jiménez</a:t>
+            </a:r>
+            <a:endParaRPr lang="es-CO" dirty="0"/>
+          </a:p>
+        </p:txBody>
+      </p:sp>
+      <p:sp>
+        <p:nvSpPr>
+          <p:cNvPr id="4" name="Título 1">
+            <a:extLst>
+              <a:ext uri="{FF2B5EF4-FFF2-40B4-BE49-F238E27FC236}">
+                <a16:creationId xmlns:a16="http://schemas.microsoft.com/office/drawing/2014/main" id="{21E17523-F154-7105-3D9F-FDE606C34D17}"/>
+              </a:ext>
+            </a:extLst>
+          </p:cNvPr>
+          <p:cNvSpPr txBox="1">
+            <a:spLocks/>
+          </p:cNvSpPr>
+          <p:nvPr/>
+        </p:nvSpPr>
+        <p:spPr>
+          <a:xfrm>
+            <a:off x="2338853" y="1160441"/>
+            <a:ext cx="5518066" cy="2268559"/>
+          </a:xfrm>
+          <a:prstGeom prst="rect">
+            <a:avLst/>
+          </a:prstGeom>
+        </p:spPr>
+        <p:txBody>
+          <a:bodyPr vert="horz" lIns="91440" tIns="45720" rIns="91440" bIns="45720" rtlCol="0" anchor="t">
+            <a:normAutofit/>
+          </a:bodyPr>
+          <a:lstStyle>
+            <a:lvl1pPr algn="r" defTabSz="914400" rtl="0" eaLnBrk="1" latinLnBrk="0" hangingPunct="1">
+              <a:lnSpc>
+                <a:spcPct val="90000"/>
+              </a:lnSpc>
+              <a:spcBef>
+                <a:spcPct val="0"/>
+              </a:spcBef>
+              <a:buNone/>
+              <a:defRPr sz="3400" b="0" i="0" kern="1200" cap="none">
+                <a:solidFill>
+                  <a:schemeClr val="tx1"/>
+                </a:solidFill>
+                <a:effectLst/>
+                <a:latin typeface="+mj-lt"/>
+                <a:ea typeface="+mj-ea"/>
+                <a:cs typeface="+mj-cs"/>
+              </a:defRPr>
+            </a:lvl1pPr>
+          </a:lstStyle>
+          <a:p>
+            <a:r>
+              <a:rPr lang="es-ES" dirty="0" err="1"/>
+              <a:t>Circuit</a:t>
+            </a:r>
+            <a:r>
+              <a:rPr lang="es-ES" dirty="0"/>
+              <a:t> Breaker</a:t>
+            </a:r>
+            <a:endParaRPr lang="es-CO" dirty="0"/>
+          </a:p>
+        </p:txBody>
+      </p:sp>
+    </p:spTree>
+    <p:extLst>
+      <p:ext uri="{BB962C8B-B14F-4D97-AF65-F5344CB8AC3E}">
+        <p14:creationId xmlns:p14="http://schemas.microsoft.com/office/powerpoint/2010/main" val="3109177003"/>
+      </p:ext>
+    </p:extLst>
+  </p:cSld>
+  <p:clrMapOvr>
+    <a:masterClrMapping/>
+  </p:clrMapOvr>
+</p:sld>
+</file>
+
+<file path=ppt/slides/slide2.xml><?xml version="1.0" encoding="utf-8"?>
+<p:sld xmlns:a="http://schemas.openxmlformats.org/drawingml/2006/main" xmlns:r="http://schemas.openxmlformats.org/officeDocument/2006/relationships" xmlns:p="http://schemas.openxmlformats.org/presentationml/2006/main">
+  <p:cSld>
+    <p:spTree>
+      <p:nvGrpSpPr>
+        <p:cNvPr id="1" name=""/>
+        <p:cNvGrpSpPr/>
+        <p:nvPr/>
+      </p:nvGrpSpPr>
+      <p:grpSpPr>
+        <a:xfrm>
+          <a:off x="0" y="0"/>
+          <a:ext cx="0" cy="0"/>
+          <a:chOff x="0" y="0"/>
+          <a:chExt cx="0" cy="0"/>
+        </a:xfrm>
+      </p:grpSpPr>
+      <p:sp>
+        <p:nvSpPr>
           <p:cNvPr id="2" name="Título 1">
             <a:extLst>
               <a:ext uri="{FF2B5EF4-FFF2-40B4-BE49-F238E27FC236}">
@@ -4613,7 +4777,7 @@
 </p:sld>
 </file>
 
-<file path=ppt/slides/slide2.xml><?xml version="1.0" encoding="utf-8"?>
+<file path=ppt/slides/slide3.xml><?xml version="1.0" encoding="utf-8"?>
 <p:sld xmlns:a="http://schemas.openxmlformats.org/drawingml/2006/main" xmlns:r="http://schemas.openxmlformats.org/officeDocument/2006/relationships" xmlns:p="http://schemas.openxmlformats.org/presentationml/2006/main">
   <p:cSld>
     <p:bg>
@@ -5313,7 +5477,7 @@
 </p:sld>
 </file>
 
-<file path=ppt/slides/slide3.xml><?xml version="1.0" encoding="utf-8"?>
+<file path=ppt/slides/slide4.xml><?xml version="1.0" encoding="utf-8"?>
 <p:sld xmlns:a="http://schemas.openxmlformats.org/drawingml/2006/main" xmlns:r="http://schemas.openxmlformats.org/officeDocument/2006/relationships" xmlns:p="http://schemas.openxmlformats.org/presentationml/2006/main">
   <p:cSld>
     <p:spTree>
@@ -5346,7 +5510,12 @@
             <p:ph type="title"/>
           </p:nvPr>
         </p:nvSpPr>
-        <p:spPr/>
+        <p:spPr>
+          <a:xfrm>
+            <a:off x="2773599" y="2773333"/>
+            <a:ext cx="7958331" cy="1077229"/>
+          </a:xfrm>
+        </p:spPr>
         <p:txBody>
           <a:bodyPr/>
           <a:lstStyle/>
@@ -5354,36 +5523,9 @@
             <a:pPr algn="ctr"/>
             <a:r>
               <a:rPr lang="es-ES" dirty="0"/>
-              <a:t>Demo</a:t>
+              <a:t>Vamos al código</a:t>
             </a:r>
             <a:endParaRPr lang="es-CO" dirty="0"/>
-          </a:p>
-        </p:txBody>
-      </p:sp>
-      <p:sp>
-        <p:nvSpPr>
-          <p:cNvPr id="3" name="Marcador de contenido 2">
-            <a:extLst>
-              <a:ext uri="{FF2B5EF4-FFF2-40B4-BE49-F238E27FC236}">
-                <a16:creationId xmlns:a16="http://schemas.microsoft.com/office/drawing/2014/main" id="{3D975666-EFFE-987D-5958-476B6F4A61A7}"/>
-              </a:ext>
-            </a:extLst>
-          </p:cNvPr>
-          <p:cNvSpPr>
-            <a:spLocks noGrp="1"/>
-          </p:cNvSpPr>
-          <p:nvPr>
-            <p:ph idx="1"/>
-          </p:nvPr>
-        </p:nvSpPr>
-        <p:spPr/>
-        <p:txBody>
-          <a:bodyPr>
-            <a:normAutofit/>
-          </a:bodyPr>
-          <a:lstStyle/>
-          <a:p>
-            <a:endParaRPr lang="es-CO" sz="3200" dirty="0"/>
           </a:p>
         </p:txBody>
       </p:sp>
